--- a/_Documents/20220909_게임 기획서.pptx
+++ b/_Documents/20220909_게임 기획서.pptx
@@ -273,7 +273,7 @@
           <a:p>
             <a:fld id="{C0B3C433-B757-47C6-A0BD-BEE2E1EF9373}" type="datetimeFigureOut">
               <a:rPr lang="ko-KR" altLang="en-US" smtClean="0"/>
-              <a:t>2022-09-09</a:t>
+              <a:t>2022-10-23</a:t>
             </a:fld>
             <a:endParaRPr lang="ko-KR" altLang="en-US"/>
           </a:p>
@@ -471,7 +471,7 @@
           <a:p>
             <a:fld id="{C0B3C433-B757-47C6-A0BD-BEE2E1EF9373}" type="datetimeFigureOut">
               <a:rPr lang="ko-KR" altLang="en-US" smtClean="0"/>
-              <a:t>2022-09-09</a:t>
+              <a:t>2022-10-23</a:t>
             </a:fld>
             <a:endParaRPr lang="ko-KR" altLang="en-US"/>
           </a:p>
@@ -679,7 +679,7 @@
           <a:p>
             <a:fld id="{C0B3C433-B757-47C6-A0BD-BEE2E1EF9373}" type="datetimeFigureOut">
               <a:rPr lang="ko-KR" altLang="en-US" smtClean="0"/>
-              <a:t>2022-09-09</a:t>
+              <a:t>2022-10-23</a:t>
             </a:fld>
             <a:endParaRPr lang="ko-KR" altLang="en-US"/>
           </a:p>
@@ -877,7 +877,7 @@
           <a:p>
             <a:fld id="{C0B3C433-B757-47C6-A0BD-BEE2E1EF9373}" type="datetimeFigureOut">
               <a:rPr lang="ko-KR" altLang="en-US" smtClean="0"/>
-              <a:t>2022-09-09</a:t>
+              <a:t>2022-10-23</a:t>
             </a:fld>
             <a:endParaRPr lang="ko-KR" altLang="en-US"/>
           </a:p>
@@ -1152,7 +1152,7 @@
           <a:p>
             <a:fld id="{C0B3C433-B757-47C6-A0BD-BEE2E1EF9373}" type="datetimeFigureOut">
               <a:rPr lang="ko-KR" altLang="en-US" smtClean="0"/>
-              <a:t>2022-09-09</a:t>
+              <a:t>2022-10-23</a:t>
             </a:fld>
             <a:endParaRPr lang="ko-KR" altLang="en-US"/>
           </a:p>
@@ -1417,7 +1417,7 @@
           <a:p>
             <a:fld id="{C0B3C433-B757-47C6-A0BD-BEE2E1EF9373}" type="datetimeFigureOut">
               <a:rPr lang="ko-KR" altLang="en-US" smtClean="0"/>
-              <a:t>2022-09-09</a:t>
+              <a:t>2022-10-23</a:t>
             </a:fld>
             <a:endParaRPr lang="ko-KR" altLang="en-US"/>
           </a:p>
@@ -1829,7 +1829,7 @@
           <a:p>
             <a:fld id="{C0B3C433-B757-47C6-A0BD-BEE2E1EF9373}" type="datetimeFigureOut">
               <a:rPr lang="ko-KR" altLang="en-US" smtClean="0"/>
-              <a:t>2022-09-09</a:t>
+              <a:t>2022-10-23</a:t>
             </a:fld>
             <a:endParaRPr lang="ko-KR" altLang="en-US"/>
           </a:p>
@@ -1970,7 +1970,7 @@
           <a:p>
             <a:fld id="{C0B3C433-B757-47C6-A0BD-BEE2E1EF9373}" type="datetimeFigureOut">
               <a:rPr lang="ko-KR" altLang="en-US" smtClean="0"/>
-              <a:t>2022-09-09</a:t>
+              <a:t>2022-10-23</a:t>
             </a:fld>
             <a:endParaRPr lang="ko-KR" altLang="en-US"/>
           </a:p>
@@ -2083,7 +2083,7 @@
           <a:p>
             <a:fld id="{C0B3C433-B757-47C6-A0BD-BEE2E1EF9373}" type="datetimeFigureOut">
               <a:rPr lang="ko-KR" altLang="en-US" smtClean="0"/>
-              <a:t>2022-09-09</a:t>
+              <a:t>2022-10-23</a:t>
             </a:fld>
             <a:endParaRPr lang="ko-KR" altLang="en-US"/>
           </a:p>
@@ -2394,7 +2394,7 @@
           <a:p>
             <a:fld id="{C0B3C433-B757-47C6-A0BD-BEE2E1EF9373}" type="datetimeFigureOut">
               <a:rPr lang="ko-KR" altLang="en-US" smtClean="0"/>
-              <a:t>2022-09-09</a:t>
+              <a:t>2022-10-23</a:t>
             </a:fld>
             <a:endParaRPr lang="ko-KR" altLang="en-US"/>
           </a:p>
@@ -2685,7 +2685,7 @@
           <a:p>
             <a:fld id="{C0B3C433-B757-47C6-A0BD-BEE2E1EF9373}" type="datetimeFigureOut">
               <a:rPr lang="ko-KR" altLang="en-US" smtClean="0"/>
-              <a:t>2022-09-09</a:t>
+              <a:t>2022-10-23</a:t>
             </a:fld>
             <a:endParaRPr lang="ko-KR" altLang="en-US"/>
           </a:p>
@@ -2926,7 +2926,7 @@
           <a:p>
             <a:fld id="{C0B3C433-B757-47C6-A0BD-BEE2E1EF9373}" type="datetimeFigureOut">
               <a:rPr lang="ko-KR" altLang="en-US" smtClean="0"/>
-              <a:t>2022-09-09</a:t>
+              <a:t>2022-10-23</a:t>
             </a:fld>
             <a:endParaRPr lang="ko-KR" altLang="en-US"/>
           </a:p>
@@ -9928,7 +9928,27 @@
           <a:p>
             <a:r>
               <a:rPr lang="ko-KR" altLang="en-US" sz="2000" dirty="0"/>
-              <a:t>적들의 능력치는 플레이어의 생존 시간에 비례하여 점점 강해진다</a:t>
+              <a:t>플레이어의 생존 시간에 비례하여 점점 강한 적들이 생성된다</a:t>
+            </a:r>
+            <a:r>
+              <a:rPr lang="en-US" altLang="ko-KR" sz="2000" dirty="0"/>
+              <a:t>.</a:t>
+            </a:r>
+          </a:p>
+          <a:p>
+            <a:r>
+              <a:rPr lang="ko-KR" altLang="en-US" sz="2000" dirty="0"/>
+              <a:t>일정 시간 생존마다 엘리트 적이 생성된다</a:t>
+            </a:r>
+            <a:r>
+              <a:rPr lang="en-US" altLang="ko-KR" sz="2000" dirty="0"/>
+              <a:t>.</a:t>
+            </a:r>
+          </a:p>
+          <a:p>
+            <a:r>
+              <a:rPr lang="ko-KR" altLang="en-US" sz="2000" dirty="0"/>
+              <a:t>엘리트 적은 항상 높은 경험치 구슬과 아이템박스를 떨어뜨린다</a:t>
             </a:r>
             <a:r>
               <a:rPr lang="en-US" altLang="ko-KR" sz="2000" dirty="0"/>
@@ -10431,7 +10451,246 @@
           </a:bodyPr>
           <a:lstStyle/>
           <a:p>
-            <a:endParaRPr lang="ko-KR" altLang="en-US" sz="2000" dirty="0"/>
+            <a:r>
+              <a:rPr lang="ko-KR" altLang="en-US" sz="2000" dirty="0"/>
+              <a:t>본 개발자는 형편없는 아트 실력과 </a:t>
+            </a:r>
+            <a:r>
+              <a:rPr lang="ko-KR" altLang="en-US" sz="2000" dirty="0" err="1"/>
+              <a:t>귀차니즘으로</a:t>
+            </a:r>
+            <a:r>
+              <a:rPr lang="ko-KR" altLang="en-US" sz="2000" dirty="0"/>
+              <a:t> </a:t>
+            </a:r>
+            <a:r>
+              <a:rPr lang="en-US" altLang="ko-KR" sz="2000" dirty="0"/>
+              <a:t>, </a:t>
+            </a:r>
+            <a:r>
+              <a:rPr lang="ko-KR" altLang="en-US" sz="2000" dirty="0"/>
+              <a:t>원</a:t>
+            </a:r>
+            <a:r>
+              <a:rPr lang="en-US" altLang="ko-KR" sz="2000" dirty="0"/>
+              <a:t>, </a:t>
+            </a:r>
+            <a:r>
+              <a:rPr lang="ko-KR" altLang="en-US" sz="2000" dirty="0"/>
+              <a:t>세모</a:t>
+            </a:r>
+            <a:r>
+              <a:rPr lang="en-US" altLang="ko-KR" sz="2000" dirty="0"/>
+              <a:t>, </a:t>
+            </a:r>
+            <a:r>
+              <a:rPr lang="ko-KR" altLang="en-US" sz="2000" dirty="0"/>
+              <a:t>네모</a:t>
+            </a:r>
+            <a:r>
+              <a:rPr lang="en-US" altLang="ko-KR" sz="2000" dirty="0"/>
+              <a:t>, </a:t>
+            </a:r>
+            <a:r>
+              <a:rPr lang="ko-KR" altLang="en-US" sz="2000" dirty="0"/>
+              <a:t>오각형의 도형을 캐릭터로 삼는다</a:t>
+            </a:r>
+            <a:r>
+              <a:rPr lang="en-US" altLang="ko-KR" sz="2000" dirty="0"/>
+              <a:t>.(</a:t>
+            </a:r>
+            <a:r>
+              <a:rPr lang="ko-KR" altLang="en-US" sz="2000" dirty="0"/>
+              <a:t>이는 적들도 마찬가지로 기본 도형들로 구성한다</a:t>
+            </a:r>
+            <a:r>
+              <a:rPr lang="en-US" altLang="ko-KR" sz="2000" dirty="0"/>
+              <a:t>. </a:t>
+            </a:r>
+            <a:r>
+              <a:rPr lang="ko-KR" altLang="en-US" sz="2000" dirty="0"/>
+              <a:t>다만 플레이어와 구분되도록 한다</a:t>
+            </a:r>
+            <a:r>
+              <a:rPr lang="en-US" altLang="ko-KR" sz="2000" dirty="0"/>
+              <a:t>.)</a:t>
+            </a:r>
+          </a:p>
+          <a:p>
+            <a:r>
+              <a:rPr lang="ko-KR" altLang="en-US" sz="2000" dirty="0"/>
+              <a:t>플레이어의 도형에는 이미지를 선택하여 도형 안쪽 색칠에 이미지를 적용할 수 있게 한다</a:t>
+            </a:r>
+            <a:r>
+              <a:rPr lang="en-US" altLang="ko-KR" sz="2000" dirty="0"/>
+              <a:t>. </a:t>
+            </a:r>
+            <a:r>
+              <a:rPr lang="ko-KR" altLang="en-US" sz="2000" dirty="0"/>
+              <a:t>커스텀으로 임의의 이미지를 사용할 수 있다</a:t>
+            </a:r>
+            <a:r>
+              <a:rPr lang="en-US" altLang="ko-KR" sz="2000" dirty="0"/>
+              <a:t>.</a:t>
+            </a:r>
+          </a:p>
+          <a:p>
+            <a:r>
+              <a:rPr lang="ko-KR" altLang="en-US" sz="2000" dirty="0"/>
+              <a:t>도형들은 각 도형마다 특수한 스킬들이 있다</a:t>
+            </a:r>
+            <a:r>
+              <a:rPr lang="en-US" altLang="ko-KR" sz="2000" dirty="0"/>
+              <a:t>.</a:t>
+            </a:r>
+          </a:p>
+          <a:p>
+            <a:pPr lvl="1"/>
+            <a:r>
+              <a:rPr lang="ko-KR" altLang="en-US" sz="1600" dirty="0"/>
+              <a:t>원 </a:t>
+            </a:r>
+            <a:r>
+              <a:rPr lang="en-US" altLang="ko-KR" sz="1600" dirty="0"/>
+              <a:t>: </a:t>
+            </a:r>
+            <a:r>
+              <a:rPr lang="ko-KR" altLang="en-US" sz="1600" dirty="0"/>
+              <a:t>발사하는 모든 투사체들이 화면의 모서리나 지형</a:t>
+            </a:r>
+            <a:r>
+              <a:rPr lang="en-US" altLang="ko-KR" sz="1600" dirty="0"/>
+              <a:t>, </a:t>
+            </a:r>
+            <a:r>
+              <a:rPr lang="ko-KR" altLang="en-US" sz="1600" dirty="0"/>
+              <a:t>적들에게 부딪히면 </a:t>
+            </a:r>
+            <a:r>
+              <a:rPr lang="en-US" altLang="ko-KR" sz="1600" dirty="0"/>
+              <a:t>n</a:t>
+            </a:r>
+            <a:r>
+              <a:rPr lang="ko-KR" altLang="en-US" sz="1600" dirty="0"/>
+              <a:t>번 튕긴다</a:t>
+            </a:r>
+            <a:r>
+              <a:rPr lang="en-US" altLang="ko-KR" sz="1600" dirty="0"/>
+              <a:t>.</a:t>
+            </a:r>
+          </a:p>
+          <a:p>
+            <a:pPr lvl="1"/>
+            <a:r>
+              <a:rPr lang="ko-KR" altLang="en-US" sz="1600" dirty="0"/>
+              <a:t>세모 </a:t>
+            </a:r>
+            <a:r>
+              <a:rPr lang="en-US" altLang="ko-KR" sz="1600" dirty="0"/>
+              <a:t>: </a:t>
+            </a:r>
+            <a:r>
+              <a:rPr lang="ko-KR" altLang="en-US" sz="1600" dirty="0"/>
+              <a:t>발사하는 모든 투사체들이 적들을</a:t>
+            </a:r>
+            <a:r>
+              <a:rPr lang="en-US" altLang="ko-KR" sz="1600" dirty="0"/>
+              <a:t>n</a:t>
+            </a:r>
+            <a:r>
+              <a:rPr lang="ko-KR" altLang="en-US" sz="1600" dirty="0"/>
+              <a:t>번 관통한다</a:t>
+            </a:r>
+            <a:r>
+              <a:rPr lang="en-US" altLang="ko-KR" sz="1600" dirty="0"/>
+              <a:t>.(</a:t>
+            </a:r>
+            <a:r>
+              <a:rPr lang="ko-KR" altLang="en-US" sz="1600" dirty="0"/>
+              <a:t>지형에는 막힘</a:t>
+            </a:r>
+            <a:r>
+              <a:rPr lang="en-US" altLang="ko-KR" sz="1600" dirty="0"/>
+              <a:t>.)</a:t>
+            </a:r>
+          </a:p>
+          <a:p>
+            <a:pPr lvl="1"/>
+            <a:r>
+              <a:rPr lang="ko-KR" altLang="en-US" sz="1600" dirty="0"/>
+              <a:t>네모 </a:t>
+            </a:r>
+            <a:r>
+              <a:rPr lang="en-US" altLang="ko-KR" sz="1600" dirty="0"/>
+              <a:t>: </a:t>
+            </a:r>
+            <a:r>
+              <a:rPr lang="ko-KR" altLang="en-US" sz="1600" dirty="0"/>
+              <a:t>모든 스킬들의 </a:t>
+            </a:r>
+            <a:r>
+              <a:rPr lang="ko-KR" altLang="en-US" sz="1600" dirty="0" err="1"/>
+              <a:t>쿨타임이</a:t>
+            </a:r>
+            <a:r>
+              <a:rPr lang="ko-KR" altLang="en-US" sz="1600" dirty="0"/>
+              <a:t> </a:t>
+            </a:r>
+            <a:r>
+              <a:rPr lang="en-US" altLang="ko-KR" sz="1600" dirty="0"/>
+              <a:t>n% </a:t>
+            </a:r>
+            <a:r>
+              <a:rPr lang="ko-KR" altLang="en-US" sz="1600" dirty="0"/>
+              <a:t>만큼 감소한다</a:t>
+            </a:r>
+            <a:r>
+              <a:rPr lang="en-US" altLang="ko-KR" sz="1600" dirty="0"/>
+              <a:t>.</a:t>
+            </a:r>
+          </a:p>
+          <a:p>
+            <a:pPr lvl="1"/>
+            <a:r>
+              <a:rPr lang="ko-KR" altLang="en-US" sz="1600" dirty="0"/>
+              <a:t>오각형 </a:t>
+            </a:r>
+            <a:r>
+              <a:rPr lang="en-US" altLang="ko-KR" sz="1600" dirty="0"/>
+              <a:t>: </a:t>
+            </a:r>
+            <a:r>
+              <a:rPr lang="ko-KR" altLang="en-US" sz="1600" dirty="0"/>
+              <a:t>모든 투사체</a:t>
+            </a:r>
+            <a:r>
+              <a:rPr lang="en-US" altLang="ko-KR" sz="1600" dirty="0"/>
+              <a:t>, </a:t>
+            </a:r>
+            <a:r>
+              <a:rPr lang="ko-KR" altLang="en-US" sz="1600" dirty="0"/>
+              <a:t>오라</a:t>
+            </a:r>
+            <a:r>
+              <a:rPr lang="en-US" altLang="ko-KR" sz="1600" dirty="0"/>
+              <a:t>, </a:t>
+            </a:r>
+            <a:r>
+              <a:rPr lang="ko-KR" altLang="en-US" sz="1600" dirty="0"/>
+              <a:t>폭발 범위가 </a:t>
+            </a:r>
+            <a:r>
+              <a:rPr lang="en-US" altLang="ko-KR" sz="1600" dirty="0"/>
+              <a:t>n%</a:t>
+            </a:r>
+            <a:r>
+              <a:rPr lang="ko-KR" altLang="en-US" sz="1600" dirty="0"/>
+              <a:t>만큼 증가한다</a:t>
+            </a:r>
+            <a:r>
+              <a:rPr lang="en-US" altLang="ko-KR" sz="1600" dirty="0"/>
+              <a:t>.</a:t>
+            </a:r>
           </a:p>
         </p:txBody>
       </p:sp>
@@ -10979,6 +11238,134 @@
           </a:bodyPr>
           <a:lstStyle/>
           <a:p>
+            <a:r>
+              <a:rPr lang="ko-KR" altLang="en-US" sz="2000" dirty="0"/>
+              <a:t>이 게임의 적들은 직접적인 공격 모션 이나</a:t>
+            </a:r>
+            <a:r>
+              <a:rPr lang="en-US" altLang="ko-KR" sz="2000" dirty="0"/>
+              <a:t>,</a:t>
+            </a:r>
+            <a:r>
+              <a:rPr lang="ko-KR" altLang="en-US" sz="2000" dirty="0"/>
+              <a:t> 투사체를 발사 하지 않는다</a:t>
+            </a:r>
+            <a:r>
+              <a:rPr lang="en-US" altLang="ko-KR" sz="2000" dirty="0"/>
+              <a:t>.</a:t>
+            </a:r>
+          </a:p>
+          <a:p>
+            <a:r>
+              <a:rPr lang="ko-KR" altLang="en-US" sz="2000" dirty="0"/>
+              <a:t>적들은 기본적으로 항상 플레이어를 향해 이동한다</a:t>
+            </a:r>
+            <a:r>
+              <a:rPr lang="en-US" altLang="ko-KR" sz="2000" dirty="0"/>
+              <a:t>.</a:t>
+            </a:r>
+          </a:p>
+          <a:p>
+            <a:r>
+              <a:rPr lang="ko-KR" altLang="en-US" sz="2000" dirty="0"/>
+              <a:t>시간이 지날수록 점점 더 많은 체력을 가진 적이 등장한다</a:t>
+            </a:r>
+            <a:r>
+              <a:rPr lang="en-US" altLang="ko-KR" sz="2000" dirty="0"/>
+              <a:t>.</a:t>
+            </a:r>
+          </a:p>
+          <a:p>
+            <a:r>
+              <a:rPr lang="ko-KR" altLang="en-US" sz="2000" dirty="0"/>
+              <a:t>시간이 지날수록 점점 더 많은 수의 적이 등장한다</a:t>
+            </a:r>
+            <a:r>
+              <a:rPr lang="en-US" altLang="ko-KR" sz="2000" dirty="0"/>
+              <a:t>.</a:t>
+            </a:r>
+          </a:p>
+          <a:p>
+            <a:r>
+              <a:rPr lang="ko-KR" altLang="en-US" sz="2000" dirty="0"/>
+              <a:t>특정 스테이지에 도달하면 엘리트 </a:t>
+            </a:r>
+            <a:r>
+              <a:rPr lang="ko-KR" altLang="en-US" sz="2000" dirty="0" err="1"/>
+              <a:t>몹이</a:t>
+            </a:r>
+            <a:r>
+              <a:rPr lang="ko-KR" altLang="en-US" sz="2000" dirty="0"/>
+              <a:t> 등장한다</a:t>
+            </a:r>
+            <a:r>
+              <a:rPr lang="en-US" altLang="ko-KR" sz="2000" dirty="0"/>
+              <a:t>.</a:t>
+            </a:r>
+          </a:p>
+          <a:p>
+            <a:r>
+              <a:rPr lang="ko-KR" altLang="en-US" sz="2000" dirty="0"/>
+              <a:t>적들은 일정확률로 경험치 구슬</a:t>
+            </a:r>
+            <a:r>
+              <a:rPr lang="en-US" altLang="ko-KR" sz="2000" dirty="0"/>
+              <a:t>, </a:t>
+            </a:r>
+            <a:r>
+              <a:rPr lang="ko-KR" altLang="en-US" sz="2000" dirty="0"/>
+              <a:t>아이템상자를 떨어뜨린다</a:t>
+            </a:r>
+            <a:r>
+              <a:rPr lang="en-US" altLang="ko-KR" sz="2000" dirty="0"/>
+              <a:t>.</a:t>
+            </a:r>
+          </a:p>
+          <a:p>
+            <a:r>
+              <a:rPr lang="ko-KR" altLang="en-US" sz="2000" dirty="0"/>
+              <a:t>일반 적들은 경험치 구슬을 떨어뜨릴 확률이 더 높다</a:t>
+            </a:r>
+            <a:r>
+              <a:rPr lang="en-US" altLang="ko-KR" sz="2000" dirty="0"/>
+              <a:t>.</a:t>
+            </a:r>
+          </a:p>
+          <a:p>
+            <a:r>
+              <a:rPr lang="ko-KR" altLang="en-US" sz="2000" dirty="0"/>
+              <a:t>엘리트 </a:t>
+            </a:r>
+            <a:r>
+              <a:rPr lang="ko-KR" altLang="en-US" sz="2000" dirty="0" err="1"/>
+              <a:t>몹은</a:t>
+            </a:r>
+            <a:r>
+              <a:rPr lang="ko-KR" altLang="en-US" sz="2000" dirty="0"/>
+              <a:t> 경험치 구슬</a:t>
+            </a:r>
+            <a:r>
+              <a:rPr lang="en-US" altLang="ko-KR" sz="2000" dirty="0"/>
+              <a:t>(</a:t>
+            </a:r>
+            <a:r>
+              <a:rPr lang="ko-KR" altLang="en-US" sz="2000" dirty="0"/>
+              <a:t>높은 경험치</a:t>
+            </a:r>
+            <a:r>
+              <a:rPr lang="en-US" altLang="ko-KR" sz="2000" dirty="0"/>
+              <a:t>)or </a:t>
+            </a:r>
+            <a:r>
+              <a:rPr lang="ko-KR" altLang="en-US" sz="2000" dirty="0"/>
+              <a:t>아이템 상자를 무조건 떨어뜨린다</a:t>
+            </a:r>
+            <a:r>
+              <a:rPr lang="en-US" altLang="ko-KR" sz="2000" dirty="0"/>
+              <a:t>.</a:t>
+            </a:r>
+          </a:p>
+          <a:p>
             <a:endParaRPr lang="ko-KR" altLang="en-US" sz="2000" dirty="0"/>
           </a:p>
         </p:txBody>
@@ -11517,7 +11904,7 @@
         </p:nvSpPr>
         <p:spPr>
           <a:xfrm>
-            <a:off x="0" y="1622744"/>
+            <a:off x="0" y="1605329"/>
             <a:ext cx="12191999" cy="5235255"/>
           </a:xfrm>
         </p:spPr>
@@ -11527,7 +11914,179 @@
           </a:bodyPr>
           <a:lstStyle/>
           <a:p>
-            <a:endParaRPr lang="ko-KR" altLang="en-US" sz="2000" dirty="0"/>
+            <a:r>
+              <a:rPr lang="ko-KR" altLang="en-US" sz="2000" dirty="0"/>
+              <a:t>아이템들은 캐릭터 고유 아이템들과 공용 업그레이드 아이템으로 나뉜다</a:t>
+            </a:r>
+            <a:r>
+              <a:rPr lang="en-US" altLang="ko-KR" sz="2000" dirty="0"/>
+              <a:t>.</a:t>
+            </a:r>
+          </a:p>
+          <a:p>
+            <a:pPr lvl="1"/>
+            <a:r>
+              <a:rPr lang="ko-KR" altLang="en-US" sz="1600" dirty="0"/>
+              <a:t>고유 아이템 </a:t>
+            </a:r>
+            <a:r>
+              <a:rPr lang="en-US" altLang="ko-KR" sz="1600" dirty="0"/>
+              <a:t>: </a:t>
+            </a:r>
+            <a:r>
+              <a:rPr lang="ko-KR" altLang="en-US" sz="1600" dirty="0"/>
+              <a:t>선택한 플레이어 캐릭터들의 능력에 관련된 업그레이드를 해주는 아이템</a:t>
+            </a:r>
+            <a:endParaRPr lang="en-US" altLang="ko-KR" sz="1600" dirty="0"/>
+          </a:p>
+          <a:p>
+            <a:pPr lvl="1"/>
+            <a:r>
+              <a:rPr lang="ko-KR" altLang="en-US" sz="1600" dirty="0"/>
+              <a:t>공용 아이템 </a:t>
+            </a:r>
+            <a:r>
+              <a:rPr lang="en-US" altLang="ko-KR" sz="1600" dirty="0"/>
+              <a:t>: </a:t>
+            </a:r>
+            <a:r>
+              <a:rPr lang="ko-KR" altLang="en-US" sz="1600" dirty="0"/>
+              <a:t>선택한 플레이어에 상관없이 업그레이드를 해주는 아이템</a:t>
+            </a:r>
+            <a:endParaRPr lang="en-US" altLang="ko-KR" sz="1600" dirty="0"/>
+          </a:p>
+          <a:p>
+            <a:r>
+              <a:rPr lang="ko-KR" altLang="en-US" sz="2000" dirty="0"/>
+              <a:t>모든 아이템들은 보물상자 형태로 떨어지며 아이템을 </a:t>
+            </a:r>
+            <a:r>
+              <a:rPr lang="ko-KR" altLang="en-US" sz="2000" dirty="0" err="1"/>
+              <a:t>습득시</a:t>
+            </a:r>
+            <a:r>
+              <a:rPr lang="ko-KR" altLang="en-US" sz="2000" dirty="0"/>
+              <a:t> 확률로 정해진다</a:t>
+            </a:r>
+            <a:r>
+              <a:rPr lang="en-US" altLang="ko-KR" sz="2000" dirty="0"/>
+              <a:t>.</a:t>
+            </a:r>
+          </a:p>
+          <a:p>
+            <a:r>
+              <a:rPr lang="ko-KR" altLang="en-US" sz="2000" dirty="0"/>
+              <a:t>모든 아이템들은 등급이 있어</a:t>
+            </a:r>
+            <a:r>
+              <a:rPr lang="en-US" altLang="ko-KR" sz="2000" dirty="0"/>
+              <a:t>, </a:t>
+            </a:r>
+            <a:r>
+              <a:rPr lang="ko-KR" altLang="en-US" sz="2000" dirty="0"/>
+              <a:t>확률에 따라 </a:t>
+            </a:r>
+            <a:r>
+              <a:rPr lang="ko-KR" altLang="en-US" sz="2000" dirty="0" err="1"/>
+              <a:t>드롭된다</a:t>
+            </a:r>
+            <a:r>
+              <a:rPr lang="en-US" altLang="ko-KR" sz="2000" dirty="0"/>
+              <a:t>.</a:t>
+            </a:r>
+          </a:p>
+          <a:p>
+            <a:r>
+              <a:rPr lang="ko-KR" altLang="en-US" sz="2000" dirty="0" err="1"/>
+              <a:t>부물상자에도</a:t>
+            </a:r>
+            <a:r>
+              <a:rPr lang="ko-KR" altLang="en-US" sz="2000" dirty="0"/>
+              <a:t> 등급이 있어 높은 등급일수록</a:t>
+            </a:r>
+            <a:r>
+              <a:rPr lang="en-US" altLang="ko-KR" sz="2000" dirty="0"/>
+              <a:t>, </a:t>
+            </a:r>
+            <a:r>
+              <a:rPr lang="ko-KR" altLang="en-US" sz="2000" dirty="0"/>
+              <a:t>더 </a:t>
+            </a:r>
+            <a:r>
+              <a:rPr lang="ko-KR" altLang="en-US" sz="2000" dirty="0" err="1"/>
+              <a:t>높은등급의</a:t>
+            </a:r>
+            <a:r>
+              <a:rPr lang="ko-KR" altLang="en-US" sz="2000" dirty="0"/>
+              <a:t> 아이템이 </a:t>
+            </a:r>
+            <a:r>
+              <a:rPr lang="ko-KR" altLang="en-US" sz="2000" dirty="0" err="1"/>
+              <a:t>드롭된다</a:t>
+            </a:r>
+            <a:r>
+              <a:rPr lang="en-US" altLang="ko-KR" sz="2000" dirty="0"/>
+              <a:t>.</a:t>
+            </a:r>
+          </a:p>
+          <a:p>
+            <a:r>
+              <a:rPr lang="ko-KR" altLang="en-US" sz="2000" dirty="0"/>
+              <a:t>중복해서 같은 아이템이 나올 시 강화된다</a:t>
+            </a:r>
+            <a:r>
+              <a:rPr lang="en-US" altLang="ko-KR" sz="2000" dirty="0"/>
+              <a:t>.</a:t>
+            </a:r>
+          </a:p>
+          <a:p>
+            <a:r>
+              <a:rPr lang="ko-KR" altLang="en-US" sz="2000" dirty="0"/>
+              <a:t>아이템 드롭 확률</a:t>
+            </a:r>
+            <a:r>
+              <a:rPr lang="en-US" altLang="ko-KR" sz="2000" dirty="0"/>
+              <a:t>, </a:t>
+            </a:r>
+            <a:r>
+              <a:rPr lang="ko-KR" altLang="en-US" sz="2000" dirty="0"/>
+              <a:t>아이템의 설명은 데이터베이스에서 가져온다</a:t>
+            </a:r>
+            <a:r>
+              <a:rPr lang="en-US" altLang="ko-KR" sz="2000" dirty="0"/>
+              <a:t>.</a:t>
+            </a:r>
+          </a:p>
+          <a:p>
+            <a:r>
+              <a:rPr lang="ko-KR" altLang="en-US" sz="2000" dirty="0"/>
+              <a:t>특정 아이템들은 조합하여 하나의 강한 아이템으로 조합할 수 있다</a:t>
+            </a:r>
+            <a:r>
+              <a:rPr lang="en-US" altLang="ko-KR" sz="2000" dirty="0"/>
+              <a:t>.</a:t>
+            </a:r>
+          </a:p>
+          <a:p>
+            <a:r>
+              <a:rPr lang="ko-KR" altLang="en-US" sz="2000" dirty="0" err="1"/>
+              <a:t>조합시</a:t>
+            </a:r>
+            <a:r>
+              <a:rPr lang="ko-KR" altLang="en-US" sz="2000" dirty="0"/>
+              <a:t> 강화는 더 낮은 등급의 아이템의 강화 횟수를 따라간다</a:t>
+            </a:r>
+            <a:r>
+              <a:rPr lang="en-US" altLang="ko-KR" sz="2000" dirty="0"/>
+              <a:t>.</a:t>
+            </a:r>
+          </a:p>
+          <a:p>
+            <a:endParaRPr lang="en-US" altLang="ko-KR" sz="2000" dirty="0"/>
+          </a:p>
+          <a:p>
+            <a:pPr lvl="1"/>
+            <a:endParaRPr lang="en-US" altLang="ko-KR" sz="1600" dirty="0"/>
           </a:p>
         </p:txBody>
       </p:sp>
@@ -12074,6 +12633,196 @@
             <a:normAutofit/>
           </a:bodyPr>
           <a:lstStyle/>
+          <a:p>
+            <a:r>
+              <a:rPr lang="ko-KR" altLang="en-US" sz="2000" dirty="0"/>
+              <a:t>일단 스테이지 종류는 </a:t>
+            </a:r>
+            <a:r>
+              <a:rPr lang="en-US" altLang="ko-KR" sz="2000" dirty="0"/>
+              <a:t>2</a:t>
+            </a:r>
+            <a:r>
+              <a:rPr lang="ko-KR" altLang="en-US" sz="2000" dirty="0"/>
+              <a:t>가지 종류로 </a:t>
+            </a:r>
+            <a:r>
+              <a:rPr lang="en-US" altLang="ko-KR" sz="2000" dirty="0"/>
+              <a:t>“</a:t>
+            </a:r>
+            <a:r>
+              <a:rPr lang="ko-KR" altLang="en-US" sz="2000" dirty="0"/>
+              <a:t>레벨 스테이지</a:t>
+            </a:r>
+            <a:r>
+              <a:rPr lang="en-US" altLang="ko-KR" sz="2000" dirty="0"/>
+              <a:t>”</a:t>
+            </a:r>
+            <a:r>
+              <a:rPr lang="ko-KR" altLang="en-US" sz="2000" dirty="0"/>
+              <a:t>와 </a:t>
+            </a:r>
+            <a:r>
+              <a:rPr lang="en-US" altLang="ko-KR" sz="2000" dirty="0"/>
+              <a:t>“</a:t>
+            </a:r>
+            <a:r>
+              <a:rPr lang="ko-KR" altLang="en-US" sz="2000" dirty="0"/>
+              <a:t>무한 스테이지</a:t>
+            </a:r>
+            <a:r>
+              <a:rPr lang="en-US" altLang="ko-KR" sz="2000" dirty="0"/>
+              <a:t>”</a:t>
+            </a:r>
+            <a:r>
+              <a:rPr lang="ko-KR" altLang="en-US" sz="2000" dirty="0"/>
+              <a:t>가 있다</a:t>
+            </a:r>
+            <a:r>
+              <a:rPr lang="en-US" altLang="ko-KR" sz="2000" dirty="0"/>
+              <a:t>.</a:t>
+            </a:r>
+          </a:p>
+          <a:p>
+            <a:pPr lvl="1"/>
+            <a:r>
+              <a:rPr lang="ko-KR" altLang="en-US" sz="1600" dirty="0"/>
+              <a:t>레벨 스테이지 </a:t>
+            </a:r>
+            <a:r>
+              <a:rPr lang="en-US" altLang="ko-KR" sz="1600" dirty="0"/>
+              <a:t>: </a:t>
+            </a:r>
+            <a:r>
+              <a:rPr lang="ko-KR" altLang="en-US" sz="1600" dirty="0"/>
+              <a:t>각 스테이지마다 엘리트 몬스터가 존재하며</a:t>
+            </a:r>
+            <a:r>
+              <a:rPr lang="en-US" altLang="ko-KR" sz="1600" dirty="0"/>
+              <a:t>, </a:t>
+            </a:r>
+            <a:r>
+              <a:rPr lang="ko-KR" altLang="en-US" sz="1600" dirty="0"/>
+              <a:t>해당 엘리트 몬스터를 클리어 하면 다음 스테이지로 이동가능</a:t>
+            </a:r>
+            <a:r>
+              <a:rPr lang="en-US" altLang="ko-KR" sz="1600" dirty="0"/>
+              <a:t>.</a:t>
+            </a:r>
+          </a:p>
+          <a:p>
+            <a:pPr lvl="1"/>
+            <a:r>
+              <a:rPr lang="ko-KR" altLang="en-US" sz="1600" dirty="0"/>
+              <a:t>무한 스테이지 </a:t>
+            </a:r>
+            <a:r>
+              <a:rPr lang="en-US" altLang="ko-KR" sz="1600" dirty="0"/>
+              <a:t>: </a:t>
+            </a:r>
+            <a:r>
+              <a:rPr lang="ko-KR" altLang="en-US" sz="1600" dirty="0"/>
+              <a:t>단하나의 스테이지로만</a:t>
+            </a:r>
+            <a:r>
+              <a:rPr lang="en-US" altLang="ko-KR" sz="1600" dirty="0"/>
+              <a:t>, </a:t>
+            </a:r>
+            <a:r>
+              <a:rPr lang="ko-KR" altLang="en-US" sz="1600" dirty="0" err="1"/>
+              <a:t>맵만</a:t>
+            </a:r>
+            <a:r>
+              <a:rPr lang="ko-KR" altLang="en-US" sz="1600" dirty="0"/>
+              <a:t> 선택 가능하다</a:t>
+            </a:r>
+            <a:r>
+              <a:rPr lang="en-US" altLang="ko-KR" sz="1600" dirty="0"/>
+              <a:t>. </a:t>
+            </a:r>
+            <a:r>
+              <a:rPr lang="ko-KR" altLang="en-US" sz="1600" dirty="0"/>
+              <a:t>해당 </a:t>
+            </a:r>
+            <a:r>
+              <a:rPr lang="ko-KR" altLang="en-US" sz="1600" dirty="0" err="1"/>
+              <a:t>맵에서</a:t>
+            </a:r>
+            <a:r>
+              <a:rPr lang="ko-KR" altLang="en-US" sz="1600" dirty="0"/>
+              <a:t> 플레이어가 </a:t>
+            </a:r>
+            <a:r>
+              <a:rPr lang="ko-KR" altLang="en-US" sz="1600" dirty="0" err="1"/>
+              <a:t>사망할때까지</a:t>
+            </a:r>
+            <a:r>
+              <a:rPr lang="ko-KR" altLang="en-US" sz="1600" dirty="0"/>
+              <a:t> </a:t>
+            </a:r>
+            <a:r>
+              <a:rPr lang="ko-KR" altLang="en-US" sz="1600" dirty="0" err="1"/>
+              <a:t>시간에따라</a:t>
+            </a:r>
+            <a:r>
+              <a:rPr lang="ko-KR" altLang="en-US" sz="1600" dirty="0"/>
+              <a:t> 강해지는 적들에게서 살아남아 점수를 쌓는 스테이지</a:t>
+            </a:r>
+            <a:r>
+              <a:rPr lang="en-US" altLang="ko-KR" sz="1600" dirty="0"/>
+              <a:t>, </a:t>
+            </a:r>
+            <a:r>
+              <a:rPr lang="ko-KR" altLang="en-US" sz="1600" dirty="0"/>
+              <a:t>마찬가지로 일정 스테이지 마다 엘리트 몬스터가 등장함</a:t>
+            </a:r>
+            <a:r>
+              <a:rPr lang="en-US" altLang="ko-KR" sz="1600" dirty="0"/>
+              <a:t>.</a:t>
+            </a:r>
+          </a:p>
+          <a:p>
+            <a:r>
+              <a:rPr lang="ko-KR" altLang="en-US" sz="2000" dirty="0"/>
+              <a:t>일부 스테이지에는 방해 요소들이 존재한다</a:t>
+            </a:r>
+            <a:r>
+              <a:rPr lang="en-US" altLang="ko-KR" sz="2000" dirty="0"/>
+              <a:t>.(</a:t>
+            </a:r>
+            <a:r>
+              <a:rPr lang="ko-KR" altLang="en-US" sz="2000" dirty="0"/>
+              <a:t>함정</a:t>
+            </a:r>
+            <a:r>
+              <a:rPr lang="en-US" altLang="ko-KR" sz="2000" dirty="0"/>
+              <a:t>, </a:t>
+            </a:r>
+            <a:r>
+              <a:rPr lang="ko-KR" altLang="en-US" sz="2000" dirty="0"/>
+              <a:t>암전</a:t>
+            </a:r>
+            <a:r>
+              <a:rPr lang="en-US" altLang="ko-KR" sz="2000" dirty="0"/>
+              <a:t>, </a:t>
+            </a:r>
+            <a:r>
+              <a:rPr lang="ko-KR" altLang="en-US" sz="2000" dirty="0"/>
+              <a:t>돌풍</a:t>
+            </a:r>
+            <a:r>
+              <a:rPr lang="en-US" altLang="ko-KR" sz="2000" dirty="0"/>
+              <a:t>, </a:t>
+            </a:r>
+            <a:r>
+              <a:rPr lang="ko-KR" altLang="en-US" sz="2000" dirty="0" err="1"/>
+              <a:t>빙판등</a:t>
+            </a:r>
+            <a:r>
+              <a:rPr lang="en-US" altLang="ko-KR" sz="2000" dirty="0"/>
+              <a:t>…)</a:t>
+            </a:r>
+          </a:p>
           <a:p>
             <a:endParaRPr lang="ko-KR" altLang="en-US" sz="2000" dirty="0"/>
           </a:p>
